--- a/docs/Mockups/First Draft/Draft Progress Mockup.pptx
+++ b/docs/Mockups/First Draft/Draft Progress Mockup.pptx
@@ -192,7 +192,7 @@
           <a:p>
             <a:fld id="{FAA110DE-E0CC-4309-9667-6AC7BF5246CB}" type="datetimeFigureOut">
               <a:rPr lang="en-US" smtClean="0"/>
-              <a:t>1/15/2014</a:t>
+              <a:t>1/16/2014</a:t>
             </a:fld>
             <a:endParaRPr lang="en-US"/>
           </a:p>
@@ -519,11 +519,15 @@
           <a:p>
             <a:r>
               <a:rPr lang="en-US" baseline="0" dirty="0" smtClean="0"/>
-              <a:t>The “View Summary” screen will be summarized </a:t>
+              <a:t>The “View Summary” screen will be summarized in another mockup</a:t>
+            </a:r>
+            <a:r>
+              <a:rPr lang="en-US" baseline="0" dirty="0" smtClean="0"/>
+              <a:t>. </a:t>
             </a:r>
             <a:r>
               <a:rPr lang="en-US" baseline="0" smtClean="0"/>
-              <a:t>in another mockup.</a:t>
+              <a:t>Random information on every page load.</a:t>
             </a:r>
             <a:endParaRPr lang="en-US" baseline="0" dirty="0" smtClean="0"/>
           </a:p>
@@ -752,7 +756,7 @@
           <a:p>
             <a:fld id="{ECB3C1DC-EE09-436C-876C-1E4BB35BFE0C}" type="datetimeFigureOut">
               <a:rPr lang="en-US" smtClean="0"/>
-              <a:t>1/14/2014</a:t>
+              <a:t>1/16/2014</a:t>
             </a:fld>
             <a:endParaRPr lang="en-US"/>
           </a:p>
@@ -922,7 +926,7 @@
           <a:p>
             <a:fld id="{ECB3C1DC-EE09-436C-876C-1E4BB35BFE0C}" type="datetimeFigureOut">
               <a:rPr lang="en-US" smtClean="0"/>
-              <a:t>1/14/2014</a:t>
+              <a:t>1/16/2014</a:t>
             </a:fld>
             <a:endParaRPr lang="en-US"/>
           </a:p>
@@ -1102,7 +1106,7 @@
           <a:p>
             <a:fld id="{ECB3C1DC-EE09-436C-876C-1E4BB35BFE0C}" type="datetimeFigureOut">
               <a:rPr lang="en-US" smtClean="0"/>
-              <a:t>1/14/2014</a:t>
+              <a:t>1/16/2014</a:t>
             </a:fld>
             <a:endParaRPr lang="en-US"/>
           </a:p>
@@ -1272,7 +1276,7 @@
           <a:p>
             <a:fld id="{ECB3C1DC-EE09-436C-876C-1E4BB35BFE0C}" type="datetimeFigureOut">
               <a:rPr lang="en-US" smtClean="0"/>
-              <a:t>1/14/2014</a:t>
+              <a:t>1/16/2014</a:t>
             </a:fld>
             <a:endParaRPr lang="en-US"/>
           </a:p>
@@ -1518,7 +1522,7 @@
           <a:p>
             <a:fld id="{ECB3C1DC-EE09-436C-876C-1E4BB35BFE0C}" type="datetimeFigureOut">
               <a:rPr lang="en-US" smtClean="0"/>
-              <a:t>1/14/2014</a:t>
+              <a:t>1/16/2014</a:t>
             </a:fld>
             <a:endParaRPr lang="en-US"/>
           </a:p>
@@ -1806,7 +1810,7 @@
           <a:p>
             <a:fld id="{ECB3C1DC-EE09-436C-876C-1E4BB35BFE0C}" type="datetimeFigureOut">
               <a:rPr lang="en-US" smtClean="0"/>
-              <a:t>1/14/2014</a:t>
+              <a:t>1/16/2014</a:t>
             </a:fld>
             <a:endParaRPr lang="en-US"/>
           </a:p>
@@ -2228,7 +2232,7 @@
           <a:p>
             <a:fld id="{ECB3C1DC-EE09-436C-876C-1E4BB35BFE0C}" type="datetimeFigureOut">
               <a:rPr lang="en-US" smtClean="0"/>
-              <a:t>1/14/2014</a:t>
+              <a:t>1/16/2014</a:t>
             </a:fld>
             <a:endParaRPr lang="en-US"/>
           </a:p>
@@ -2346,7 +2350,7 @@
           <a:p>
             <a:fld id="{ECB3C1DC-EE09-436C-876C-1E4BB35BFE0C}" type="datetimeFigureOut">
               <a:rPr lang="en-US" smtClean="0"/>
-              <a:t>1/14/2014</a:t>
+              <a:t>1/16/2014</a:t>
             </a:fld>
             <a:endParaRPr lang="en-US"/>
           </a:p>
@@ -2441,7 +2445,7 @@
           <a:p>
             <a:fld id="{ECB3C1DC-EE09-436C-876C-1E4BB35BFE0C}" type="datetimeFigureOut">
               <a:rPr lang="en-US" smtClean="0"/>
-              <a:t>1/14/2014</a:t>
+              <a:t>1/16/2014</a:t>
             </a:fld>
             <a:endParaRPr lang="en-US"/>
           </a:p>
@@ -2718,7 +2722,7 @@
           <a:p>
             <a:fld id="{ECB3C1DC-EE09-436C-876C-1E4BB35BFE0C}" type="datetimeFigureOut">
               <a:rPr lang="en-US" smtClean="0"/>
-              <a:t>1/14/2014</a:t>
+              <a:t>1/16/2014</a:t>
             </a:fld>
             <a:endParaRPr lang="en-US"/>
           </a:p>
@@ -2971,7 +2975,7 @@
           <a:p>
             <a:fld id="{ECB3C1DC-EE09-436C-876C-1E4BB35BFE0C}" type="datetimeFigureOut">
               <a:rPr lang="en-US" smtClean="0"/>
-              <a:t>1/14/2014</a:t>
+              <a:t>1/16/2014</a:t>
             </a:fld>
             <a:endParaRPr lang="en-US"/>
           </a:p>
@@ -3184,7 +3188,7 @@
           <a:p>
             <a:fld id="{ECB3C1DC-EE09-436C-876C-1E4BB35BFE0C}" type="datetimeFigureOut">
               <a:rPr lang="en-US" smtClean="0"/>
-              <a:t>1/14/2014</a:t>
+              <a:t>1/16/2014</a:t>
             </a:fld>
             <a:endParaRPr lang="en-US"/>
           </a:p>
@@ -4093,14 +4097,6 @@
               </a:rPr>
               <a:t>View Graphs</a:t>
             </a:r>
-            <a:endParaRPr lang="en-US" dirty="0" smtClean="0">
-              <a:solidFill>
-                <a:schemeClr val="bg1">
-                  <a:lumMod val="75000"/>
-                </a:schemeClr>
-              </a:solidFill>
-              <a:latin typeface="Calibri Light" panose="020F0302020204030204" pitchFamily="34" charset="0"/>
-            </a:endParaRPr>
           </a:p>
         </p:txBody>
       </p:sp>
@@ -4356,14 +4352,6 @@
               </a:rPr>
               <a:t>Summary</a:t>
             </a:r>
-            <a:endParaRPr lang="en-US" dirty="0" smtClean="0">
-              <a:solidFill>
-                <a:schemeClr val="bg1">
-                  <a:lumMod val="75000"/>
-                </a:schemeClr>
-              </a:solidFill>
-              <a:latin typeface="Calibri Light" panose="020F0302020204030204" pitchFamily="34" charset="0"/>
-            </a:endParaRPr>
           </a:p>
         </p:txBody>
       </p:sp>
